--- a/DIY 1- Doctor Visit/DIY Project 1 PPT.pptx
+++ b/DIY 1- Doctor Visit/DIY Project 1 PPT.pptx
@@ -10026,12 +10026,14 @@
         </p:nvSpPr>
         <p:spPr>
           <a:xfrm>
-            <a:off x="6356835" y="2794000"/>
-            <a:ext cx="3400089" cy="861497"/>
+            <a:off x="4526845" y="2979545"/>
+            <a:ext cx="5230080" cy="675952"/>
           </a:xfrm>
         </p:spPr>
         <p:txBody>
-          <a:bodyPr/>
+          <a:bodyPr>
+            <a:normAutofit fontScale="85000" lnSpcReduction="20000"/>
+          </a:bodyPr>
           <a:lstStyle/>
           <a:p>
             <a:pPr algn="r"/>
@@ -10047,18 +10049,13 @@
           <a:p>
             <a:pPr algn="r"/>
             <a:r>
-              <a:rPr lang="en-IN" b="0" dirty="0" err="1">
+              <a:rPr lang="en-IN" b="0" dirty="0">
                 <a:solidFill>
                   <a:schemeClr val="tx1"/>
                 </a:solidFill>
               </a:rPr>
-              <a:t>MIT,Manipal</a:t>
+              <a:t>Manipal Institute of Technology, Manipal</a:t>
             </a:r>
-            <a:endParaRPr lang="en-IN" b="0" dirty="0">
-              <a:solidFill>
-                <a:schemeClr val="tx1"/>
-              </a:solidFill>
-            </a:endParaRPr>
           </a:p>
         </p:txBody>
       </p:sp>
@@ -10080,8 +10077,8 @@
         </p:nvSpPr>
         <p:spPr>
           <a:xfrm>
-            <a:off x="6312871" y="2050553"/>
-            <a:ext cx="4998720" cy="743448"/>
+            <a:off x="4730044" y="2118049"/>
+            <a:ext cx="6581547" cy="675952"/>
           </a:xfrm>
         </p:spPr>
         <p:txBody>
@@ -10091,7 +10088,7 @@
           <a:lstStyle/>
           <a:p>
             <a:r>
-              <a:rPr lang="en-GB" sz="3200" dirty="0"/>
+              <a:rPr lang="en-GB" sz="4000" dirty="0"/>
               <a:t>Doctor Visit Data Report</a:t>
             </a:r>
             <a:br>
@@ -15333,8 +15330,8 @@
         </p:nvSpPr>
         <p:spPr>
           <a:xfrm>
-            <a:off x="807165" y="5424649"/>
-            <a:ext cx="8187546" cy="369332"/>
+            <a:off x="807165" y="5424648"/>
+            <a:ext cx="8663406" cy="923330"/>
           </a:xfrm>
           <a:prstGeom prst="rect">
             <a:avLst/>
@@ -15349,16 +15346,25 @@
           <a:p>
             <a:r>
               <a:rPr lang="en-IN" dirty="0"/>
-              <a:t>The remaining interpretations can be found on the </a:t>
+              <a:t>The remaining interpretations can be found on the G</a:t>
             </a:r>
             <a:r>
-              <a:rPr lang="en-IN" dirty="0" err="1"/>
-              <a:t>github</a:t>
+              <a:rPr lang="en-IN"/>
+              <a:t>ithub</a:t>
             </a:r>
             <a:r>
               <a:rPr lang="en-IN" dirty="0"/>
               <a:t> link below</a:t>
             </a:r>
+          </a:p>
+          <a:p>
+            <a:r>
+              <a:rPr lang="en-IN" dirty="0">
+                <a:hlinkClick r:id="rId5"/>
+              </a:rPr>
+              <a:t>https://github.com/jessicaGonsalves04/VOIS_Internship/tree/main/DIY%201-%20Doctor%20Visit</a:t>
+            </a:r>
+            <a:endParaRPr lang="en-IN" dirty="0"/>
           </a:p>
         </p:txBody>
       </p:sp>
@@ -17241,38 +17247,6 @@
           </a:prstGeom>
         </p:spPr>
       </p:pic>
-      <p:sp>
-        <p:nvSpPr>
-          <p:cNvPr id="12" name="Text Placeholder 11">
-            <a:extLst>
-              <a:ext uri="{FF2B5EF4-FFF2-40B4-BE49-F238E27FC236}">
-                <a16:creationId xmlns:a16="http://schemas.microsoft.com/office/drawing/2014/main" id="{BC277FD7-925B-4C3D-A364-118403201507}"/>
-              </a:ext>
-            </a:extLst>
-          </p:cNvPr>
-          <p:cNvSpPr>
-            <a:spLocks noGrp="1"/>
-          </p:cNvSpPr>
-          <p:nvPr>
-            <p:ph type="body" sz="quarter" idx="12"/>
-          </p:nvPr>
-        </p:nvSpPr>
-        <p:spPr>
-          <a:xfrm>
-            <a:off x="2975013" y="3962573"/>
-            <a:ext cx="2139696" cy="344312"/>
-          </a:xfrm>
-        </p:spPr>
-        <p:txBody>
-          <a:bodyPr>
-            <a:normAutofit fontScale="92500" lnSpcReduction="20000"/>
-          </a:bodyPr>
-          <a:lstStyle/>
-          <a:p>
-            <a:endParaRPr lang="en-IN" dirty="0"/>
-          </a:p>
-        </p:txBody>
-      </p:sp>
     </p:spTree>
     <p:extLst>
       <p:ext uri="{BB962C8B-B14F-4D97-AF65-F5344CB8AC3E}">
@@ -18760,23 +18734,6 @@
 </file>
 
 <file path=customXml/item1.xml><?xml version="1.0" encoding="utf-8"?>
-<p:properties xmlns:p="http://schemas.microsoft.com/office/2006/metadata/properties" xmlns:xsi="http://www.w3.org/2001/XMLSchema-instance" xmlns:pc="http://schemas.microsoft.com/office/infopath/2007/PartnerControls">
-  <documentManagement>
-    <_activity xmlns="b51eec4f-fbc6-45fb-98db-456b975ef646" xsi:nil="true"/>
-  </documentManagement>
-</p:properties>
-</file>
-
-<file path=customXml/item2.xml><?xml version="1.0" encoding="utf-8"?>
-<?mso-contentType ?>
-<FormTemplates xmlns="http://schemas.microsoft.com/sharepoint/v3/contenttype/forms">
-  <Display>DocumentLibraryForm</Display>
-  <Edit>DocumentLibraryForm</Edit>
-  <New>DocumentLibraryForm</New>
-</FormTemplates>
-</file>
-
-<file path=customXml/item3.xml><?xml version="1.0" encoding="utf-8"?>
 <ct:contentTypeSchema xmlns:ct="http://schemas.microsoft.com/office/2006/metadata/contentType" xmlns:ma="http://schemas.microsoft.com/office/2006/metadata/properties/metaAttributes" ct:_="" ma:_="" ma:contentTypeName="Document" ma:contentTypeID="0x010100399630AFEE6F2444B2C0DB026E528EBC" ma:contentTypeVersion="13" ma:contentTypeDescription="Create a new document." ma:contentTypeScope="" ma:versionID="61e5dad1f30c6a58be9160b5c29acac1">
   <xsd:schema xmlns:xsd="http://www.w3.org/2001/XMLSchema" xmlns:xs="http://www.w3.org/2001/XMLSchema" xmlns:p="http://schemas.microsoft.com/office/2006/metadata/properties" xmlns:ns3="41cd501c-084c-4b4a-849e-19d611a25fb1" xmlns:ns4="b51eec4f-fbc6-45fb-98db-456b975ef646" targetNamespace="http://schemas.microsoft.com/office/2006/metadata/properties" ma:root="true" ma:fieldsID="32d20b34da7f00f8365f7922f8c502f8" ns3:_="" ns4:_="">
     <xsd:import namespace="41cd501c-084c-4b4a-849e-19d611a25fb1"/>
@@ -18997,7 +18954,43 @@
 </ct:contentTypeSchema>
 </file>
 
+<file path=customXml/item2.xml><?xml version="1.0" encoding="utf-8"?>
+<p:properties xmlns:p="http://schemas.microsoft.com/office/2006/metadata/properties" xmlns:xsi="http://www.w3.org/2001/XMLSchema-instance" xmlns:pc="http://schemas.microsoft.com/office/infopath/2007/PartnerControls">
+  <documentManagement>
+    <_activity xmlns="b51eec4f-fbc6-45fb-98db-456b975ef646" xsi:nil="true"/>
+  </documentManagement>
+</p:properties>
+</file>
+
+<file path=customXml/item3.xml><?xml version="1.0" encoding="utf-8"?>
+<?mso-contentType ?>
+<FormTemplates xmlns="http://schemas.microsoft.com/sharepoint/v3/contenttype/forms">
+  <Display>DocumentLibraryForm</Display>
+  <Edit>DocumentLibraryForm</Edit>
+  <New>DocumentLibraryForm</New>
+</FormTemplates>
+</file>
+
 <file path=customXml/itemProps1.xml><?xml version="1.0" encoding="utf-8"?>
+<ds:datastoreItem xmlns:ds="http://schemas.openxmlformats.org/officeDocument/2006/customXml" ds:itemID="{C34F9529-0B8A-452B-B32C-FA56A1ED5EF2}">
+  <ds:schemaRefs>
+    <ds:schemaRef ds:uri="http://schemas.microsoft.com/office/2006/metadata/contentType"/>
+    <ds:schemaRef ds:uri="http://schemas.microsoft.com/office/2006/metadata/properties/metaAttributes"/>
+    <ds:schemaRef ds:uri="http://www.w3.org/2001/XMLSchema"/>
+    <ds:schemaRef ds:uri="http://schemas.microsoft.com/office/2006/metadata/properties"/>
+    <ds:schemaRef ds:uri="41cd501c-084c-4b4a-849e-19d611a25fb1"/>
+    <ds:schemaRef ds:uri="b51eec4f-fbc6-45fb-98db-456b975ef646"/>
+    <ds:schemaRef ds:uri="http://schemas.microsoft.com/office/2006/documentManagement/types"/>
+    <ds:schemaRef ds:uri="http://schemas.microsoft.com/office/infopath/2007/PartnerControls"/>
+    <ds:schemaRef ds:uri="http://schemas.openxmlformats.org/package/2006/metadata/core-properties"/>
+    <ds:schemaRef ds:uri="http://purl.org/dc/elements/1.1/"/>
+    <ds:schemaRef ds:uri="http://purl.org/dc/terms/"/>
+    <ds:schemaRef ds:uri="http://schemas.microsoft.com/internal/obd"/>
+  </ds:schemaRefs>
+</ds:datastoreItem>
+</file>
+
+<file path=customXml/itemProps2.xml><?xml version="1.0" encoding="utf-8"?>
 <ds:datastoreItem xmlns:ds="http://schemas.openxmlformats.org/officeDocument/2006/customXml" ds:itemID="{4DEA9014-ED64-4558-B1E1-D03F0EE32BEB}">
   <ds:schemaRefs>
     <ds:schemaRef ds:uri="http://www.w3.org/XML/1998/namespace"/>
@@ -19014,29 +19007,10 @@
 </ds:datastoreItem>
 </file>
 
-<file path=customXml/itemProps2.xml><?xml version="1.0" encoding="utf-8"?>
+<file path=customXml/itemProps3.xml><?xml version="1.0" encoding="utf-8"?>
 <ds:datastoreItem xmlns:ds="http://schemas.openxmlformats.org/officeDocument/2006/customXml" ds:itemID="{05D99ABA-76CE-4A8E-B5F0-C051B96628DE}">
   <ds:schemaRefs>
     <ds:schemaRef ds:uri="http://schemas.microsoft.com/sharepoint/v3/contenttype/forms"/>
   </ds:schemaRefs>
 </ds:datastoreItem>
-</file>
-
-<file path=customXml/itemProps3.xml><?xml version="1.0" encoding="utf-8"?>
-<ds:datastoreItem xmlns:ds="http://schemas.openxmlformats.org/officeDocument/2006/customXml" ds:itemID="{C34F9529-0B8A-452B-B32C-FA56A1ED5EF2}">
-  <ds:schemaRefs>
-    <ds:schemaRef ds:uri="http://schemas.microsoft.com/office/2006/metadata/contentType"/>
-    <ds:schemaRef ds:uri="http://schemas.microsoft.com/office/2006/metadata/properties/metaAttributes"/>
-    <ds:schemaRef ds:uri="http://www.w3.org/2001/XMLSchema"/>
-    <ds:schemaRef ds:uri="http://schemas.microsoft.com/office/2006/metadata/properties"/>
-    <ds:schemaRef ds:uri="41cd501c-084c-4b4a-849e-19d611a25fb1"/>
-    <ds:schemaRef ds:uri="b51eec4f-fbc6-45fb-98db-456b975ef646"/>
-    <ds:schemaRef ds:uri="http://schemas.microsoft.com/office/2006/documentManagement/types"/>
-    <ds:schemaRef ds:uri="http://schemas.microsoft.com/office/infopath/2007/PartnerControls"/>
-    <ds:schemaRef ds:uri="http://schemas.openxmlformats.org/package/2006/metadata/core-properties"/>
-    <ds:schemaRef ds:uri="http://purl.org/dc/elements/1.1/"/>
-    <ds:schemaRef ds:uri="http://purl.org/dc/terms/"/>
-    <ds:schemaRef ds:uri="http://schemas.microsoft.com/internal/obd"/>
-  </ds:schemaRefs>
-</ds:datastoreItem>
 </file>